--- a/multi_panel_figures/Fig3.pptx
+++ b/multi_panel_figures/Fig3.pptx
@@ -259,7 +259,7 @@
           <a:p>
             <a:fld id="{46B5EFFD-0C9F-AF41-8258-F8EEBEBECFF1}" type="datetimeFigureOut">
               <a:rPr lang="en-US" smtClean="0"/>
-              <a:t>5/5/19</a:t>
+              <a:t>5/11/19</a:t>
             </a:fld>
             <a:endParaRPr lang="en-US"/>
           </a:p>
@@ -457,7 +457,7 @@
           <a:p>
             <a:fld id="{46B5EFFD-0C9F-AF41-8258-F8EEBEBECFF1}" type="datetimeFigureOut">
               <a:rPr lang="en-US" smtClean="0"/>
-              <a:t>5/5/19</a:t>
+              <a:t>5/11/19</a:t>
             </a:fld>
             <a:endParaRPr lang="en-US"/>
           </a:p>
@@ -665,7 +665,7 @@
           <a:p>
             <a:fld id="{46B5EFFD-0C9F-AF41-8258-F8EEBEBECFF1}" type="datetimeFigureOut">
               <a:rPr lang="en-US" smtClean="0"/>
-              <a:t>5/5/19</a:t>
+              <a:t>5/11/19</a:t>
             </a:fld>
             <a:endParaRPr lang="en-US"/>
           </a:p>
@@ -863,7 +863,7 @@
           <a:p>
             <a:fld id="{46B5EFFD-0C9F-AF41-8258-F8EEBEBECFF1}" type="datetimeFigureOut">
               <a:rPr lang="en-US" smtClean="0"/>
-              <a:t>5/5/19</a:t>
+              <a:t>5/11/19</a:t>
             </a:fld>
             <a:endParaRPr lang="en-US"/>
           </a:p>
@@ -1138,7 +1138,7 @@
           <a:p>
             <a:fld id="{46B5EFFD-0C9F-AF41-8258-F8EEBEBECFF1}" type="datetimeFigureOut">
               <a:rPr lang="en-US" smtClean="0"/>
-              <a:t>5/5/19</a:t>
+              <a:t>5/11/19</a:t>
             </a:fld>
             <a:endParaRPr lang="en-US"/>
           </a:p>
@@ -1403,7 +1403,7 @@
           <a:p>
             <a:fld id="{46B5EFFD-0C9F-AF41-8258-F8EEBEBECFF1}" type="datetimeFigureOut">
               <a:rPr lang="en-US" smtClean="0"/>
-              <a:t>5/5/19</a:t>
+              <a:t>5/11/19</a:t>
             </a:fld>
             <a:endParaRPr lang="en-US"/>
           </a:p>
@@ -1815,7 +1815,7 @@
           <a:p>
             <a:fld id="{46B5EFFD-0C9F-AF41-8258-F8EEBEBECFF1}" type="datetimeFigureOut">
               <a:rPr lang="en-US" smtClean="0"/>
-              <a:t>5/5/19</a:t>
+              <a:t>5/11/19</a:t>
             </a:fld>
             <a:endParaRPr lang="en-US"/>
           </a:p>
@@ -1956,7 +1956,7 @@
           <a:p>
             <a:fld id="{46B5EFFD-0C9F-AF41-8258-F8EEBEBECFF1}" type="datetimeFigureOut">
               <a:rPr lang="en-US" smtClean="0"/>
-              <a:t>5/5/19</a:t>
+              <a:t>5/11/19</a:t>
             </a:fld>
             <a:endParaRPr lang="en-US"/>
           </a:p>
@@ -2069,7 +2069,7 @@
           <a:p>
             <a:fld id="{46B5EFFD-0C9F-AF41-8258-F8EEBEBECFF1}" type="datetimeFigureOut">
               <a:rPr lang="en-US" smtClean="0"/>
-              <a:t>5/5/19</a:t>
+              <a:t>5/11/19</a:t>
             </a:fld>
             <a:endParaRPr lang="en-US"/>
           </a:p>
@@ -2380,7 +2380,7 @@
           <a:p>
             <a:fld id="{46B5EFFD-0C9F-AF41-8258-F8EEBEBECFF1}" type="datetimeFigureOut">
               <a:rPr lang="en-US" smtClean="0"/>
-              <a:t>5/5/19</a:t>
+              <a:t>5/11/19</a:t>
             </a:fld>
             <a:endParaRPr lang="en-US"/>
           </a:p>
@@ -2668,7 +2668,7 @@
           <a:p>
             <a:fld id="{46B5EFFD-0C9F-AF41-8258-F8EEBEBECFF1}" type="datetimeFigureOut">
               <a:rPr lang="en-US" smtClean="0"/>
-              <a:t>5/5/19</a:t>
+              <a:t>5/11/19</a:t>
             </a:fld>
             <a:endParaRPr lang="en-US"/>
           </a:p>
@@ -2909,7 +2909,7 @@
           <a:p>
             <a:fld id="{46B5EFFD-0C9F-AF41-8258-F8EEBEBECFF1}" type="datetimeFigureOut">
               <a:rPr lang="en-US" smtClean="0"/>
-              <a:t>5/5/19</a:t>
+              <a:t>5/11/19</a:t>
             </a:fld>
             <a:endParaRPr lang="en-US"/>
           </a:p>
@@ -3326,117 +3326,12 @@
           <a:chExt cx="0" cy="0"/>
         </a:xfrm>
       </p:grpSpPr>
-      <p:sp>
-        <p:nvSpPr>
-          <p:cNvPr id="5" name="TextBox 4">
-            <a:extLst>
-              <a:ext uri="{FF2B5EF4-FFF2-40B4-BE49-F238E27FC236}">
-                <a16:creationId xmlns:a16="http://schemas.microsoft.com/office/drawing/2014/main" id="{9310745A-14A6-3C40-B24E-11B2891D9DC9}"/>
-              </a:ext>
-            </a:extLst>
-          </p:cNvPr>
-          <p:cNvSpPr txBox="1"/>
-          <p:nvPr/>
-        </p:nvSpPr>
-        <p:spPr>
-          <a:xfrm>
-            <a:off x="507073" y="350838"/>
-            <a:ext cx="436338" cy="369332"/>
-          </a:xfrm>
-          <a:prstGeom prst="rect">
-            <a:avLst/>
-          </a:prstGeom>
-          <a:noFill/>
-        </p:spPr>
-        <p:txBody>
-          <a:bodyPr wrap="none" rtlCol="0">
-            <a:spAutoFit/>
-          </a:bodyPr>
-          <a:lstStyle/>
-          <a:p>
-            <a:r>
-              <a:rPr lang="en-US" dirty="0"/>
-              <a:t>(a)</a:t>
-            </a:r>
-          </a:p>
-        </p:txBody>
-      </p:sp>
-      <p:sp>
-        <p:nvSpPr>
-          <p:cNvPr id="9" name="TextBox 8">
-            <a:extLst>
-              <a:ext uri="{FF2B5EF4-FFF2-40B4-BE49-F238E27FC236}">
-                <a16:creationId xmlns:a16="http://schemas.microsoft.com/office/drawing/2014/main" id="{3F8EB3B1-90A6-D04E-BD21-817E5024CFCC}"/>
-              </a:ext>
-            </a:extLst>
-          </p:cNvPr>
-          <p:cNvSpPr txBox="1"/>
-          <p:nvPr/>
-        </p:nvSpPr>
-        <p:spPr>
-          <a:xfrm>
-            <a:off x="4222275" y="169347"/>
-            <a:ext cx="447558" cy="369332"/>
-          </a:xfrm>
-          <a:prstGeom prst="rect">
-            <a:avLst/>
-          </a:prstGeom>
-          <a:noFill/>
-        </p:spPr>
-        <p:txBody>
-          <a:bodyPr wrap="none" rtlCol="0">
-            <a:spAutoFit/>
-          </a:bodyPr>
-          <a:lstStyle/>
-          <a:p>
-            <a:r>
-              <a:rPr lang="en-US" dirty="0"/>
-              <a:t>(b)</a:t>
-            </a:r>
-          </a:p>
-        </p:txBody>
-      </p:sp>
-      <p:sp>
-        <p:nvSpPr>
-          <p:cNvPr id="10" name="TextBox 9">
-            <a:extLst>
-              <a:ext uri="{FF2B5EF4-FFF2-40B4-BE49-F238E27FC236}">
-                <a16:creationId xmlns:a16="http://schemas.microsoft.com/office/drawing/2014/main" id="{7F90C453-3F14-F948-9F35-F4C8BC609DBE}"/>
-              </a:ext>
-            </a:extLst>
-          </p:cNvPr>
-          <p:cNvSpPr txBox="1"/>
-          <p:nvPr/>
-        </p:nvSpPr>
-        <p:spPr>
-          <a:xfrm>
-            <a:off x="7948697" y="201613"/>
-            <a:ext cx="423514" cy="369332"/>
-          </a:xfrm>
-          <a:prstGeom prst="rect">
-            <a:avLst/>
-          </a:prstGeom>
-          <a:noFill/>
-        </p:spPr>
-        <p:txBody>
-          <a:bodyPr wrap="none" rtlCol="0">
-            <a:spAutoFit/>
-          </a:bodyPr>
-          <a:lstStyle/>
-          <a:p>
-            <a:r>
-              <a:rPr lang="en-US" dirty="0"/>
-              <a:t>(c)</a:t>
-            </a:r>
-          </a:p>
-        </p:txBody>
-      </p:sp>
       <p:pic>
         <p:nvPicPr>
-          <p:cNvPr id="3" name="Picture 2">
-            <a:extLst>
-              <a:ext uri="{FF2B5EF4-FFF2-40B4-BE49-F238E27FC236}">
-                <a16:creationId xmlns:a16="http://schemas.microsoft.com/office/drawing/2014/main" id="{F7AE1CB5-6188-1940-AD39-A4677CD8C8F7}"/>
+          <p:cNvPr id="2" name="Picture 1">
+            <a:extLst>
+              <a:ext uri="{FF2B5EF4-FFF2-40B4-BE49-F238E27FC236}">
+                <a16:creationId xmlns:a16="http://schemas.microsoft.com/office/drawing/2014/main" id="{C0FC772B-61FF-EA46-BD04-E1290555FCD3}"/>
               </a:ext>
             </a:extLst>
           </p:cNvPr>
@@ -3453,20 +3348,125 @@
         </p:blipFill>
         <p:spPr>
           <a:xfrm>
-            <a:off x="892611" y="570945"/>
-            <a:ext cx="2857500" cy="1841500"/>
+            <a:off x="1041077" y="3025979"/>
+            <a:ext cx="2832100" cy="2120900"/>
           </a:xfrm>
           <a:prstGeom prst="rect">
             <a:avLst/>
           </a:prstGeom>
         </p:spPr>
       </p:pic>
+      <p:sp>
+        <p:nvSpPr>
+          <p:cNvPr id="5" name="TextBox 4">
+            <a:extLst>
+              <a:ext uri="{FF2B5EF4-FFF2-40B4-BE49-F238E27FC236}">
+                <a16:creationId xmlns:a16="http://schemas.microsoft.com/office/drawing/2014/main" id="{9310745A-14A6-3C40-B24E-11B2891D9DC9}"/>
+              </a:ext>
+            </a:extLst>
+          </p:cNvPr>
+          <p:cNvSpPr txBox="1"/>
+          <p:nvPr/>
+        </p:nvSpPr>
+        <p:spPr>
+          <a:xfrm>
+            <a:off x="507073" y="260092"/>
+            <a:ext cx="295274" cy="369332"/>
+          </a:xfrm>
+          <a:prstGeom prst="rect">
+            <a:avLst/>
+          </a:prstGeom>
+          <a:noFill/>
+        </p:spPr>
+        <p:txBody>
+          <a:bodyPr wrap="none" rtlCol="0">
+            <a:spAutoFit/>
+          </a:bodyPr>
+          <a:lstStyle/>
+          <a:p>
+            <a:r>
+              <a:rPr lang="en-US" dirty="0"/>
+              <a:t>a</a:t>
+            </a:r>
+          </a:p>
+        </p:txBody>
+      </p:sp>
+      <p:sp>
+        <p:nvSpPr>
+          <p:cNvPr id="9" name="TextBox 8">
+            <a:extLst>
+              <a:ext uri="{FF2B5EF4-FFF2-40B4-BE49-F238E27FC236}">
+                <a16:creationId xmlns:a16="http://schemas.microsoft.com/office/drawing/2014/main" id="{3F8EB3B1-90A6-D04E-BD21-817E5024CFCC}"/>
+              </a:ext>
+            </a:extLst>
+          </p:cNvPr>
+          <p:cNvSpPr txBox="1"/>
+          <p:nvPr/>
+        </p:nvSpPr>
+        <p:spPr>
+          <a:xfrm>
+            <a:off x="4222275" y="260092"/>
+            <a:ext cx="306494" cy="369332"/>
+          </a:xfrm>
+          <a:prstGeom prst="rect">
+            <a:avLst/>
+          </a:prstGeom>
+          <a:noFill/>
+        </p:spPr>
+        <p:txBody>
+          <a:bodyPr wrap="none" rtlCol="0">
+            <a:spAutoFit/>
+          </a:bodyPr>
+          <a:lstStyle/>
+          <a:p>
+            <a:r>
+              <a:rPr lang="en-US" dirty="0"/>
+              <a:t>b</a:t>
+            </a:r>
+          </a:p>
+        </p:txBody>
+      </p:sp>
+      <p:sp>
+        <p:nvSpPr>
+          <p:cNvPr id="10" name="TextBox 9">
+            <a:extLst>
+              <a:ext uri="{FF2B5EF4-FFF2-40B4-BE49-F238E27FC236}">
+                <a16:creationId xmlns:a16="http://schemas.microsoft.com/office/drawing/2014/main" id="{7F90C453-3F14-F948-9F35-F4C8BC609DBE}"/>
+              </a:ext>
+            </a:extLst>
+          </p:cNvPr>
+          <p:cNvSpPr txBox="1"/>
+          <p:nvPr/>
+        </p:nvSpPr>
+        <p:spPr>
+          <a:xfrm>
+            <a:off x="7948697" y="260092"/>
+            <a:ext cx="282450" cy="369332"/>
+          </a:xfrm>
+          <a:prstGeom prst="rect">
+            <a:avLst/>
+          </a:prstGeom>
+          <a:noFill/>
+        </p:spPr>
+        <p:txBody>
+          <a:bodyPr wrap="none" rtlCol="0">
+            <a:spAutoFit/>
+          </a:bodyPr>
+          <a:lstStyle/>
+          <a:p>
+            <a:r>
+              <a:rPr lang="en-US" dirty="0"/>
+              <a:t>c</a:t>
+            </a:r>
+          </a:p>
+        </p:txBody>
+      </p:sp>
       <p:pic>
         <p:nvPicPr>
-          <p:cNvPr id="6" name="Picture 5">
-            <a:extLst>
-              <a:ext uri="{FF2B5EF4-FFF2-40B4-BE49-F238E27FC236}">
-                <a16:creationId xmlns:a16="http://schemas.microsoft.com/office/drawing/2014/main" id="{D429202C-280A-5341-9D6E-77D679374678}"/>
+          <p:cNvPr id="20" name="Picture 19">
+            <a:extLst>
+              <a:ext uri="{FF2B5EF4-FFF2-40B4-BE49-F238E27FC236}">
+                <a16:creationId xmlns:a16="http://schemas.microsoft.com/office/drawing/2014/main" id="{EDD6B3A8-A6AE-2443-BC12-E70407278182}"/>
               </a:ext>
             </a:extLst>
           </p:cNvPr>
@@ -3483,20 +3483,125 @@
         </p:blipFill>
         <p:spPr>
           <a:xfrm>
-            <a:off x="4644433" y="570945"/>
-            <a:ext cx="2857500" cy="1841500"/>
+            <a:off x="8372211" y="3097417"/>
+            <a:ext cx="3119338" cy="2325578"/>
           </a:xfrm>
           <a:prstGeom prst="rect">
             <a:avLst/>
           </a:prstGeom>
         </p:spPr>
       </p:pic>
+      <p:sp>
+        <p:nvSpPr>
+          <p:cNvPr id="24" name="TextBox 23">
+            <a:extLst>
+              <a:ext uri="{FF2B5EF4-FFF2-40B4-BE49-F238E27FC236}">
+                <a16:creationId xmlns:a16="http://schemas.microsoft.com/office/drawing/2014/main" id="{2C0F3AA5-368A-814B-A499-8964891630E9}"/>
+              </a:ext>
+            </a:extLst>
+          </p:cNvPr>
+          <p:cNvSpPr txBox="1"/>
+          <p:nvPr/>
+        </p:nvSpPr>
+        <p:spPr>
+          <a:xfrm>
+            <a:off x="541474" y="2747591"/>
+            <a:ext cx="306494" cy="369332"/>
+          </a:xfrm>
+          <a:prstGeom prst="rect">
+            <a:avLst/>
+          </a:prstGeom>
+          <a:noFill/>
+        </p:spPr>
+        <p:txBody>
+          <a:bodyPr wrap="none" rtlCol="0">
+            <a:spAutoFit/>
+          </a:bodyPr>
+          <a:lstStyle/>
+          <a:p>
+            <a:r>
+              <a:rPr lang="en-US" dirty="0"/>
+              <a:t>d</a:t>
+            </a:r>
+          </a:p>
+        </p:txBody>
+      </p:sp>
+      <p:sp>
+        <p:nvSpPr>
+          <p:cNvPr id="25" name="TextBox 24">
+            <a:extLst>
+              <a:ext uri="{FF2B5EF4-FFF2-40B4-BE49-F238E27FC236}">
+                <a16:creationId xmlns:a16="http://schemas.microsoft.com/office/drawing/2014/main" id="{6F593B20-7F9A-9840-B66B-A21A1F993FEE}"/>
+              </a:ext>
+            </a:extLst>
+          </p:cNvPr>
+          <p:cNvSpPr txBox="1"/>
+          <p:nvPr/>
+        </p:nvSpPr>
+        <p:spPr>
+          <a:xfrm>
+            <a:off x="4256676" y="2747591"/>
+            <a:ext cx="300082" cy="369332"/>
+          </a:xfrm>
+          <a:prstGeom prst="rect">
+            <a:avLst/>
+          </a:prstGeom>
+          <a:noFill/>
+        </p:spPr>
+        <p:txBody>
+          <a:bodyPr wrap="none" rtlCol="0">
+            <a:spAutoFit/>
+          </a:bodyPr>
+          <a:lstStyle/>
+          <a:p>
+            <a:r>
+              <a:rPr lang="en-US" dirty="0"/>
+              <a:t>e</a:t>
+            </a:r>
+          </a:p>
+        </p:txBody>
+      </p:sp>
+      <p:sp>
+        <p:nvSpPr>
+          <p:cNvPr id="26" name="TextBox 25">
+            <a:extLst>
+              <a:ext uri="{FF2B5EF4-FFF2-40B4-BE49-F238E27FC236}">
+                <a16:creationId xmlns:a16="http://schemas.microsoft.com/office/drawing/2014/main" id="{F065798C-301E-474E-B610-F307350A42C3}"/>
+              </a:ext>
+            </a:extLst>
+          </p:cNvPr>
+          <p:cNvSpPr txBox="1"/>
+          <p:nvPr/>
+        </p:nvSpPr>
+        <p:spPr>
+          <a:xfrm>
+            <a:off x="7983098" y="2747591"/>
+            <a:ext cx="255198" cy="369332"/>
+          </a:xfrm>
+          <a:prstGeom prst="rect">
+            <a:avLst/>
+          </a:prstGeom>
+          <a:noFill/>
+        </p:spPr>
+        <p:txBody>
+          <a:bodyPr wrap="none" rtlCol="0">
+            <a:spAutoFit/>
+          </a:bodyPr>
+          <a:lstStyle/>
+          <a:p>
+            <a:r>
+              <a:rPr lang="en-US" dirty="0"/>
+              <a:t>f</a:t>
+            </a:r>
+          </a:p>
+        </p:txBody>
+      </p:sp>
       <p:pic>
         <p:nvPicPr>
-          <p:cNvPr id="13" name="Picture 12">
-            <a:extLst>
-              <a:ext uri="{FF2B5EF4-FFF2-40B4-BE49-F238E27FC236}">
-                <a16:creationId xmlns:a16="http://schemas.microsoft.com/office/drawing/2014/main" id="{21406C9B-9045-6E4D-B795-DAC9E659B4BC}"/>
+          <p:cNvPr id="4" name="Picture 3">
+            <a:extLst>
+              <a:ext uri="{FF2B5EF4-FFF2-40B4-BE49-F238E27FC236}">
+                <a16:creationId xmlns:a16="http://schemas.microsoft.com/office/drawing/2014/main" id="{DE3B134F-A794-964B-A14D-1A9253EC0B8F}"/>
               </a:ext>
             </a:extLst>
           </p:cNvPr>
@@ -3513,8 +3618,8 @@
         </p:blipFill>
         <p:spPr>
           <a:xfrm>
-            <a:off x="8372211" y="570945"/>
-            <a:ext cx="2857500" cy="1841500"/>
+            <a:off x="4853878" y="3083852"/>
+            <a:ext cx="2832100" cy="2120900"/>
           </a:xfrm>
           <a:prstGeom prst="rect">
             <a:avLst/>
@@ -3523,10 +3628,10 @@
       </p:pic>
       <p:pic>
         <p:nvPicPr>
-          <p:cNvPr id="15" name="Picture 14">
-            <a:extLst>
-              <a:ext uri="{FF2B5EF4-FFF2-40B4-BE49-F238E27FC236}">
-                <a16:creationId xmlns:a16="http://schemas.microsoft.com/office/drawing/2014/main" id="{344CE620-895C-6E46-9CAF-0231B0623720}"/>
+          <p:cNvPr id="7" name="Picture 6">
+            <a:extLst>
+              <a:ext uri="{FF2B5EF4-FFF2-40B4-BE49-F238E27FC236}">
+                <a16:creationId xmlns:a16="http://schemas.microsoft.com/office/drawing/2014/main" id="{45A7D8FC-2ED5-0B47-B866-FDEC09F35928}"/>
               </a:ext>
             </a:extLst>
           </p:cNvPr>
@@ -3543,125 +3648,20 @@
         </p:blipFill>
         <p:spPr>
           <a:xfrm>
-            <a:off x="943411" y="3036887"/>
-            <a:ext cx="2832100" cy="2120900"/>
+            <a:off x="541474" y="626692"/>
+            <a:ext cx="3291050" cy="2120899"/>
           </a:xfrm>
           <a:prstGeom prst="rect">
             <a:avLst/>
           </a:prstGeom>
         </p:spPr>
       </p:pic>
-      <p:sp>
-        <p:nvSpPr>
-          <p:cNvPr id="16" name="TextBox 15">
-            <a:extLst>
-              <a:ext uri="{FF2B5EF4-FFF2-40B4-BE49-F238E27FC236}">
-                <a16:creationId xmlns:a16="http://schemas.microsoft.com/office/drawing/2014/main" id="{7B4E2037-6AB7-7243-AC80-59218C9CFCE4}"/>
-              </a:ext>
-            </a:extLst>
-          </p:cNvPr>
-          <p:cNvSpPr txBox="1"/>
-          <p:nvPr/>
-        </p:nvSpPr>
-        <p:spPr>
-          <a:xfrm>
-            <a:off x="463814" y="2672617"/>
-            <a:ext cx="447558" cy="369332"/>
-          </a:xfrm>
-          <a:prstGeom prst="rect">
-            <a:avLst/>
-          </a:prstGeom>
-          <a:noFill/>
-        </p:spPr>
-        <p:txBody>
-          <a:bodyPr wrap="none" rtlCol="0">
-            <a:spAutoFit/>
-          </a:bodyPr>
-          <a:lstStyle/>
-          <a:p>
-            <a:r>
-              <a:rPr lang="en-US" dirty="0"/>
-              <a:t>(d)</a:t>
-            </a:r>
-          </a:p>
-        </p:txBody>
-      </p:sp>
-      <p:sp>
-        <p:nvSpPr>
-          <p:cNvPr id="17" name="TextBox 16">
-            <a:extLst>
-              <a:ext uri="{FF2B5EF4-FFF2-40B4-BE49-F238E27FC236}">
-                <a16:creationId xmlns:a16="http://schemas.microsoft.com/office/drawing/2014/main" id="{EE94321F-DE5E-5E4E-B5AD-C510A3B56D8B}"/>
-              </a:ext>
-            </a:extLst>
-          </p:cNvPr>
-          <p:cNvSpPr txBox="1"/>
-          <p:nvPr/>
-        </p:nvSpPr>
-        <p:spPr>
-          <a:xfrm>
-            <a:off x="4281773" y="2728085"/>
-            <a:ext cx="441146" cy="369332"/>
-          </a:xfrm>
-          <a:prstGeom prst="rect">
-            <a:avLst/>
-          </a:prstGeom>
-          <a:noFill/>
-        </p:spPr>
-        <p:txBody>
-          <a:bodyPr wrap="none" rtlCol="0">
-            <a:spAutoFit/>
-          </a:bodyPr>
-          <a:lstStyle/>
-          <a:p>
-            <a:r>
-              <a:rPr lang="en-US" dirty="0"/>
-              <a:t>(e)</a:t>
-            </a:r>
-          </a:p>
-        </p:txBody>
-      </p:sp>
-      <p:sp>
-        <p:nvSpPr>
-          <p:cNvPr id="18" name="TextBox 17">
-            <a:extLst>
-              <a:ext uri="{FF2B5EF4-FFF2-40B4-BE49-F238E27FC236}">
-                <a16:creationId xmlns:a16="http://schemas.microsoft.com/office/drawing/2014/main" id="{D680D776-8E61-F841-BE52-D3AFAEBC561E}"/>
-              </a:ext>
-            </a:extLst>
-          </p:cNvPr>
-          <p:cNvSpPr txBox="1"/>
-          <p:nvPr/>
-        </p:nvSpPr>
-        <p:spPr>
-          <a:xfrm>
-            <a:off x="7869541" y="2728085"/>
-            <a:ext cx="399661" cy="369332"/>
-          </a:xfrm>
-          <a:prstGeom prst="rect">
-            <a:avLst/>
-          </a:prstGeom>
-          <a:noFill/>
-        </p:spPr>
-        <p:txBody>
-          <a:bodyPr wrap="none" rtlCol="0">
-            <a:spAutoFit/>
-          </a:bodyPr>
-          <a:lstStyle/>
-          <a:p>
-            <a:r>
-              <a:rPr lang="en-US" dirty="0"/>
-              <a:t>(f)</a:t>
-            </a:r>
-          </a:p>
-        </p:txBody>
-      </p:sp>
       <p:pic>
         <p:nvPicPr>
-          <p:cNvPr id="19" name="Picture 18">
-            <a:extLst>
-              <a:ext uri="{FF2B5EF4-FFF2-40B4-BE49-F238E27FC236}">
-                <a16:creationId xmlns:a16="http://schemas.microsoft.com/office/drawing/2014/main" id="{008E55D0-BC4A-C448-B952-5A71DF0AB615}"/>
+          <p:cNvPr id="8" name="Picture 7">
+            <a:extLst>
+              <a:ext uri="{FF2B5EF4-FFF2-40B4-BE49-F238E27FC236}">
+                <a16:creationId xmlns:a16="http://schemas.microsoft.com/office/drawing/2014/main" id="{148D8D0F-9062-B245-A1D2-A62C0F948EA7}"/>
               </a:ext>
             </a:extLst>
           </p:cNvPr>
@@ -3678,8 +3678,8 @@
         </p:blipFill>
         <p:spPr>
           <a:xfrm>
-            <a:off x="4740841" y="3097417"/>
-            <a:ext cx="2832100" cy="2120900"/>
+            <a:off x="4359179" y="626692"/>
+            <a:ext cx="3440958" cy="2178773"/>
           </a:xfrm>
           <a:prstGeom prst="rect">
             <a:avLst/>
@@ -3688,10 +3688,10 @@
       </p:pic>
       <p:pic>
         <p:nvPicPr>
-          <p:cNvPr id="20" name="Picture 19">
-            <a:extLst>
-              <a:ext uri="{FF2B5EF4-FFF2-40B4-BE49-F238E27FC236}">
-                <a16:creationId xmlns:a16="http://schemas.microsoft.com/office/drawing/2014/main" id="{EDD6B3A8-A6AE-2443-BC12-E70407278182}"/>
+          <p:cNvPr id="11" name="Picture 10">
+            <a:extLst>
+              <a:ext uri="{FF2B5EF4-FFF2-40B4-BE49-F238E27FC236}">
+                <a16:creationId xmlns:a16="http://schemas.microsoft.com/office/drawing/2014/main" id="{AC1D8B40-D04F-D342-9355-69089BF1A372}"/>
               </a:ext>
             </a:extLst>
           </p:cNvPr>
@@ -3708,8 +3708,8 @@
         </p:blipFill>
         <p:spPr>
           <a:xfrm>
-            <a:off x="8372211" y="3097417"/>
-            <a:ext cx="2844800" cy="2120900"/>
+            <a:off x="8110696" y="626692"/>
+            <a:ext cx="3380853" cy="2178772"/>
           </a:xfrm>
           <a:prstGeom prst="rect">
             <a:avLst/>
